--- a/fuentes/contenidos/grado10/guion16/Mapas_CN_10_16/CN_10_16latermodinamica.pptx
+++ b/fuentes/contenidos/grado10/guion16/Mapas_CN_10_16/CN_10_16latermodinamica.pptx
@@ -8,7 +8,7 @@
     <p:sldId id="256" r:id="rId2"/>
   </p:sldIdLst>
   <p:sldSz cx="9144000" cy="6858000" type="letter"/>
-  <p:notesSz cx="6858000" cy="9144000"/>
+  <p:notesSz cx="7315200" cy="9601200"/>
   <p:defaultTextStyle>
     <a:defPPr>
       <a:defRPr lang="es-ES"/>
@@ -135,29 +135,6 @@
 </p:cmAuthorLst>
 </file>
 
-<file path=ppt/comments/comment1.xml><?xml version="1.0" encoding="utf-8"?>
-<p:cmLst xmlns:a="http://schemas.openxmlformats.org/drawingml/2006/main" xmlns:r="http://schemas.openxmlformats.org/officeDocument/2006/relationships" xmlns:p="http://schemas.openxmlformats.org/presentationml/2006/main">
-  <p:cm authorId="1" dt="2016-07-17T17:13:41.363" idx="5">
-    <p:pos x="1240" y="3628"/>
-    <p:text>incluir conector como</p:text>
-    <p:extLst>
-      <p:ext uri="{C676402C-5697-4E1C-873F-D02D1690AC5C}">
-        <p15:threadingInfo xmlns:p15="http://schemas.microsoft.com/office/powerpoint/2012/main" timeZoneBias="300"/>
-      </p:ext>
-    </p:extLst>
-  </p:cm>
-  <p:cm authorId="1" dt="2016-07-17T17:14:40.114" idx="6">
-    <p:pos x="1966" y="3682"/>
-    <p:text>incluir conector como</p:text>
-    <p:extLst>
-      <p:ext uri="{C676402C-5697-4E1C-873F-D02D1690AC5C}">
-        <p15:threadingInfo xmlns:p15="http://schemas.microsoft.com/office/powerpoint/2012/main" timeZoneBias="300"/>
-      </p:ext>
-    </p:extLst>
-  </p:cm>
-</p:cmLst>
-</file>
-
 <file path=ppt/slideLayouts/slideLayout1.xml><?xml version="1.0" encoding="utf-8"?>
 <p:sldLayout xmlns:a="http://schemas.openxmlformats.org/drawingml/2006/main" xmlns:r="http://schemas.openxmlformats.org/officeDocument/2006/relationships" xmlns:p="http://schemas.openxmlformats.org/presentationml/2006/main" preserve="1" userDrawn="1">
   <p:cSld name="Diapositiva de título">
@@ -185,13 +162,6 @@
   <p:clrMapOvr>
     <a:masterClrMapping/>
   </p:clrMapOvr>
-  <p:timing>
-    <p:tnLst>
-      <p:par>
-        <p:cTn id="1" dur="indefinite" restart="never" nodeType="tmRoot"/>
-      </p:par>
-    </p:tnLst>
-  </p:timing>
 </p:sldLayout>
 </file>
 
@@ -222,13 +192,6 @@
   <p:clrMapOvr>
     <a:masterClrMapping/>
   </p:clrMapOvr>
-  <p:timing>
-    <p:tnLst>
-      <p:par>
-        <p:cTn id="1" dur="indefinite" restart="never" nodeType="tmRoot"/>
-      </p:par>
-    </p:tnLst>
-  </p:timing>
 </p:sldLayout>
 </file>
 
@@ -259,13 +222,6 @@
   <p:clrMapOvr>
     <a:masterClrMapping/>
   </p:clrMapOvr>
-  <p:timing>
-    <p:tnLst>
-      <p:par>
-        <p:cTn id="1" dur="indefinite" restart="never" nodeType="tmRoot"/>
-      </p:par>
-    </p:tnLst>
-  </p:timing>
 </p:sldLayout>
 </file>
 
@@ -296,13 +252,6 @@
   <p:clrMapOvr>
     <a:masterClrMapping/>
   </p:clrMapOvr>
-  <p:timing>
-    <p:tnLst>
-      <p:par>
-        <p:cTn id="1" dur="indefinite" restart="never" nodeType="tmRoot"/>
-      </p:par>
-    </p:tnLst>
-  </p:timing>
 </p:sldLayout>
 </file>
 
@@ -333,13 +282,6 @@
   <p:clrMapOvr>
     <a:masterClrMapping/>
   </p:clrMapOvr>
-  <p:timing>
-    <p:tnLst>
-      <p:par>
-        <p:cTn id="1" dur="indefinite" restart="never" nodeType="tmRoot"/>
-      </p:par>
-    </p:tnLst>
-  </p:timing>
 </p:sldLayout>
 </file>
 
@@ -370,13 +312,6 @@
   <p:clrMapOvr>
     <a:masterClrMapping/>
   </p:clrMapOvr>
-  <p:timing>
-    <p:tnLst>
-      <p:par>
-        <p:cTn id="1" dur="indefinite" restart="never" nodeType="tmRoot"/>
-      </p:par>
-    </p:tnLst>
-  </p:timing>
 </p:sldLayout>
 </file>
 
@@ -407,13 +342,6 @@
   <p:clrMapOvr>
     <a:masterClrMapping/>
   </p:clrMapOvr>
-  <p:timing>
-    <p:tnLst>
-      <p:par>
-        <p:cTn id="1" dur="indefinite" restart="never" nodeType="tmRoot"/>
-      </p:par>
-    </p:tnLst>
-  </p:timing>
 </p:sldLayout>
 </file>
 
@@ -444,13 +372,6 @@
   <p:clrMapOvr>
     <a:masterClrMapping/>
   </p:clrMapOvr>
-  <p:timing>
-    <p:tnLst>
-      <p:par>
-        <p:cTn id="1" dur="indefinite" restart="never" nodeType="tmRoot"/>
-      </p:par>
-    </p:tnLst>
-  </p:timing>
 </p:sldLayout>
 </file>
 
@@ -496,7 +417,7 @@
           <a:p>
             <a:fld id="{5001C876-01F7-4317-94B9-1AE222133113}" type="datetimeFigureOut">
               <a:rPr lang="es-ES" smtClean="0"/>
-              <a:t>17/07/2016</a:t>
+              <a:t>18/07/2016</a:t>
             </a:fld>
             <a:endParaRPr lang="es-ES"/>
           </a:p>
@@ -570,13 +491,6 @@
   <p:clrMapOvr>
     <a:masterClrMapping/>
   </p:clrMapOvr>
-  <p:timing>
-    <p:tnLst>
-      <p:par>
-        <p:cTn id="1" dur="indefinite" restart="never" nodeType="tmRoot"/>
-      </p:par>
-    </p:tnLst>
-  </p:timing>
 </p:sldLayout>
 </file>
 
@@ -607,13 +521,6 @@
   <p:clrMapOvr>
     <a:masterClrMapping/>
   </p:clrMapOvr>
-  <p:timing>
-    <p:tnLst>
-      <p:par>
-        <p:cTn id="1" dur="indefinite" restart="never" nodeType="tmRoot"/>
-      </p:par>
-    </p:tnLst>
-  </p:timing>
 </p:sldLayout>
 </file>
 
@@ -644,13 +551,6 @@
   <p:clrMapOvr>
     <a:masterClrMapping/>
   </p:clrMapOvr>
-  <p:timing>
-    <p:tnLst>
-      <p:par>
-        <p:cTn id="1" dur="indefinite" restart="never" nodeType="tmRoot"/>
-      </p:par>
-    </p:tnLst>
-  </p:timing>
 </p:sldLayout>
 </file>
 
@@ -699,10 +599,9 @@
           <a:lstStyle/>
           <a:p>
             <a:r>
-              <a:rPr lang="es-ES" sz="1200" dirty="0" smtClean="0"/>
-              <a:t>© Editorial Planeta Colombiana S.A., 2015.</a:t>
-            </a:r>
-            <a:endParaRPr lang="es-ES" sz="1200" dirty="0"/>
+              <a:rPr lang="es-ES" sz="1200" dirty="0"/>
+              <a:t>© Editorial Planeta Colombiana S.A., 2016.</a:t>
+            </a:r>
           </a:p>
         </p:txBody>
       </p:sp>
@@ -757,13 +656,6 @@
     <p:sldLayoutId id="2147483670" r:id="rId10"/>
     <p:sldLayoutId id="2147483671" r:id="rId11"/>
   </p:sldLayoutIdLst>
-  <p:timing>
-    <p:tnLst>
-      <p:par>
-        <p:cTn id="1" dur="indefinite" restart="never" nodeType="tmRoot"/>
-      </p:par>
-    </p:tnLst>
-  </p:timing>
   <p:txStyles>
     <p:titleStyle>
       <a:lvl1pPr algn="l" defTabSz="914400" rtl="0" eaLnBrk="1" latinLnBrk="0" hangingPunct="1">
@@ -1107,10 +999,9 @@
           <a:p>
             <a:pPr algn="ctr"/>
             <a:r>
-              <a:rPr lang="es-CO" sz="1600" dirty="0" smtClean="0"/>
+              <a:rPr lang="es-CO" sz="1600" dirty="0"/>
               <a:t>La termodinámica</a:t>
             </a:r>
-            <a:endParaRPr lang="es-CO" sz="1600" dirty="0"/>
           </a:p>
         </p:txBody>
       </p:sp>
@@ -1162,7 +1053,7 @@
         </p:nvCxnSpPr>
         <p:spPr>
           <a:xfrm flipH="1">
-            <a:off x="1166186" y="3873049"/>
+            <a:off x="1227730" y="3873049"/>
             <a:ext cx="1" cy="164701"/>
           </a:xfrm>
           <a:prstGeom prst="line">
@@ -1236,12 +1127,8 @@
           <a:p>
             <a:pPr algn="ctr"/>
             <a:r>
-              <a:rPr lang="es-CO" sz="1050" b="1" dirty="0" smtClean="0"/>
-              <a:t>Cambios </a:t>
-            </a:r>
-            <a:r>
               <a:rPr lang="es-CO" sz="1050" b="1" dirty="0"/>
-              <a:t>energéticos</a:t>
+              <a:t>Cambios energéticos</a:t>
             </a:r>
           </a:p>
         </p:txBody>
@@ -1505,7 +1392,7 @@
         </p:nvSpPr>
         <p:spPr>
           <a:xfrm>
-            <a:off x="678340" y="3457007"/>
+            <a:off x="739884" y="3457007"/>
             <a:ext cx="975693" cy="416042"/>
           </a:xfrm>
           <a:prstGeom prst="rect">
@@ -1700,10 +1587,9 @@
           <a:p>
             <a:pPr algn="ctr"/>
             <a:r>
-              <a:rPr lang="es-CO" sz="900" dirty="0" smtClean="0"/>
+              <a:rPr lang="es-CO" sz="900" dirty="0"/>
               <a:t>variables termodinámicas</a:t>
             </a:r>
-            <a:endParaRPr lang="es-CO" sz="900" dirty="0"/>
           </a:p>
         </p:txBody>
       </p:sp>
@@ -1715,7 +1601,7 @@
         </p:nvSpPr>
         <p:spPr>
           <a:xfrm>
-            <a:off x="723748" y="4402251"/>
+            <a:off x="785292" y="4402251"/>
             <a:ext cx="884876" cy="590169"/>
           </a:xfrm>
           <a:prstGeom prst="rect">
@@ -1745,10 +1631,9 @@
               <a:buChar char="•"/>
             </a:pPr>
             <a:r>
-              <a:rPr lang="es-CO" sz="900" dirty="0" smtClean="0"/>
+              <a:rPr lang="es-CO" sz="900" dirty="0"/>
               <a:t>abiertos</a:t>
             </a:r>
-            <a:endParaRPr lang="es-CO" sz="900" dirty="0"/>
           </a:p>
           <a:p>
             <a:pPr marL="171450" indent="-171450">
@@ -1756,10 +1641,9 @@
               <a:buChar char="•"/>
             </a:pPr>
             <a:r>
-              <a:rPr lang="es-CO" sz="900" dirty="0" smtClean="0"/>
+              <a:rPr lang="es-CO" sz="900" dirty="0"/>
               <a:t>cerrados</a:t>
             </a:r>
-            <a:endParaRPr lang="es-CO" sz="900" dirty="0"/>
           </a:p>
           <a:p>
             <a:pPr marL="171450" indent="-171450">
@@ -1767,10 +1651,9 @@
               <a:buChar char="•"/>
             </a:pPr>
             <a:r>
-              <a:rPr lang="es-CO" sz="900" dirty="0" smtClean="0"/>
+              <a:rPr lang="es-CO" sz="900" dirty="0"/>
               <a:t>aislados</a:t>
             </a:r>
-            <a:endParaRPr lang="es-CO" sz="900" dirty="0"/>
           </a:p>
         </p:txBody>
       </p:sp>
@@ -1935,11 +1818,7 @@
             </a:r>
             <a:r>
               <a:rPr lang="es-CO" sz="900"/>
-              <a:t>acuerdo </a:t>
-            </a:r>
-            <a:r>
-              <a:rPr lang="es-CO" sz="900" smtClean="0"/>
-              <a:t>con</a:t>
+              <a:t>acuerdo con</a:t>
             </a:r>
             <a:endParaRPr lang="es-CO" sz="900" dirty="0"/>
           </a:p>
@@ -1983,7 +1862,7 @@
               <a:buChar char="•"/>
             </a:pPr>
             <a:r>
-              <a:rPr lang="es-CO" sz="900" dirty="0" smtClean="0"/>
+              <a:rPr lang="es-CO" sz="900" dirty="0"/>
               <a:t>calor específico</a:t>
             </a:r>
           </a:p>
@@ -1993,10 +1872,9 @@
               <a:buChar char="•"/>
             </a:pPr>
             <a:r>
-              <a:rPr lang="es-CO" sz="900" dirty="0" smtClean="0"/>
+              <a:rPr lang="es-CO" sz="900" dirty="0"/>
               <a:t>capacidad calorífica</a:t>
             </a:r>
-            <a:endParaRPr lang="es-CO" sz="900" dirty="0"/>
           </a:p>
         </p:txBody>
       </p:sp>
@@ -2022,10 +1900,9 @@
           <a:lstStyle/>
           <a:p>
             <a:r>
-              <a:rPr lang="es-CO" sz="900" dirty="0" smtClean="0"/>
+              <a:rPr lang="es-CO" sz="900" dirty="0"/>
               <a:t>teniendo en cuenta</a:t>
             </a:r>
-            <a:endParaRPr lang="es-CO" sz="900" dirty="0"/>
           </a:p>
         </p:txBody>
       </p:sp>
@@ -2327,9 +2204,9 @@
           <p:nvPr/>
         </p:nvCxnSpPr>
         <p:spPr>
-          <a:xfrm flipH="1">
-            <a:off x="1166187" y="3183949"/>
-            <a:ext cx="58898" cy="273058"/>
+          <a:xfrm>
+            <a:off x="1225085" y="3183949"/>
+            <a:ext cx="2646" cy="273058"/>
           </a:xfrm>
           <a:prstGeom prst="line">
             <a:avLst/>
@@ -2363,7 +2240,7 @@
         </p:nvSpPr>
         <p:spPr>
           <a:xfrm>
-            <a:off x="942407" y="4037750"/>
+            <a:off x="1003951" y="4037750"/>
             <a:ext cx="447558" cy="230832"/>
           </a:xfrm>
           <a:prstGeom prst="rect">
@@ -2430,7 +2307,7 @@
         </p:nvCxnSpPr>
         <p:spPr>
           <a:xfrm>
-            <a:off x="1166186" y="4268582"/>
+            <a:off x="1227730" y="4268582"/>
             <a:ext cx="0" cy="133669"/>
           </a:xfrm>
           <a:prstGeom prst="line">
@@ -2557,10 +2434,9 @@
           <a:lstStyle/>
           <a:p>
             <a:r>
-              <a:rPr lang="es-CO" sz="900" dirty="0" smtClean="0"/>
+              <a:rPr lang="es-CO" sz="900" dirty="0"/>
               <a:t>extensivas</a:t>
             </a:r>
-            <a:endParaRPr lang="es-CO" sz="900" dirty="0"/>
           </a:p>
         </p:txBody>
       </p:sp>
@@ -2598,10 +2474,9 @@
           <a:lstStyle/>
           <a:p>
             <a:r>
-              <a:rPr lang="es-CO" sz="900" dirty="0" smtClean="0"/>
+              <a:rPr lang="es-CO" sz="900" dirty="0"/>
               <a:t>intensivas</a:t>
             </a:r>
-            <a:endParaRPr lang="es-CO" sz="900" dirty="0"/>
           </a:p>
         </p:txBody>
       </p:sp>
@@ -2693,7 +2568,7 @@
         </p:nvSpPr>
         <p:spPr>
           <a:xfrm>
-            <a:off x="2935589" y="6150348"/>
+            <a:off x="2935589" y="6384028"/>
             <a:ext cx="692405" cy="414021"/>
           </a:xfrm>
           <a:prstGeom prst="rect">
@@ -2719,10 +2594,9 @@
           <a:lstStyle/>
           <a:p>
             <a:r>
-              <a:rPr lang="es-CO" sz="900" dirty="0" smtClean="0"/>
+              <a:rPr lang="es-CO" sz="900" dirty="0"/>
               <a:t>volumen</a:t>
             </a:r>
-            <a:endParaRPr lang="es-CO" sz="900" dirty="0"/>
           </a:p>
         </p:txBody>
       </p:sp>
@@ -2734,7 +2608,7 @@
         </p:nvSpPr>
         <p:spPr>
           <a:xfrm>
-            <a:off x="1703503" y="6114298"/>
+            <a:off x="1703503" y="6347978"/>
             <a:ext cx="815085" cy="486123"/>
           </a:xfrm>
           <a:prstGeom prst="rect">
@@ -2760,64 +2634,25 @@
           <a:lstStyle/>
           <a:p>
             <a:r>
-              <a:rPr lang="es-CO" sz="900" dirty="0" smtClean="0"/>
+              <a:rPr lang="es-CO" sz="900" dirty="0"/>
               <a:t>temperatura</a:t>
             </a:r>
-            <a:endParaRPr lang="es-CO" sz="900" dirty="0"/>
           </a:p>
         </p:txBody>
       </p:sp>
-      <p:cxnSp>
-        <p:nvCxnSpPr>
-          <p:cNvPr id="59" name="Conector recto 58"/>
-          <p:cNvCxnSpPr>
-            <a:stCxn id="1790" idx="2"/>
-            <a:endCxn id="58" idx="0"/>
-          </p:cNvCxnSpPr>
-          <p:nvPr/>
-        </p:nvCxnSpPr>
-        <p:spPr>
-          <a:xfrm>
-            <a:off x="2111046" y="5884142"/>
-            <a:ext cx="0" cy="230156"/>
-          </a:xfrm>
-          <a:prstGeom prst="line">
-            <a:avLst/>
-          </a:prstGeom>
-          <a:ln w="12700">
-            <a:solidFill>
-              <a:schemeClr val="tx1"/>
-            </a:solidFill>
-          </a:ln>
-        </p:spPr>
-        <p:style>
-          <a:lnRef idx="1">
-            <a:schemeClr val="accent1"/>
-          </a:lnRef>
-          <a:fillRef idx="0">
-            <a:schemeClr val="accent1"/>
-          </a:fillRef>
-          <a:effectRef idx="0">
-            <a:schemeClr val="accent1"/>
-          </a:effectRef>
-          <a:fontRef idx="minor">
-            <a:schemeClr val="tx1"/>
-          </a:fontRef>
-        </p:style>
-      </p:cxnSp>
       <p:cxnSp>
         <p:nvCxnSpPr>
           <p:cNvPr id="63" name="Conector recto 62"/>
           <p:cNvCxnSpPr>
             <a:stCxn id="1789" idx="2"/>
-            <a:endCxn id="57" idx="0"/>
+            <a:endCxn id="64" idx="0"/>
           </p:cNvCxnSpPr>
           <p:nvPr/>
         </p:nvCxnSpPr>
         <p:spPr>
-          <a:xfrm>
-            <a:off x="3279621" y="5888301"/>
-            <a:ext cx="2171" cy="262047"/>
+          <a:xfrm flipH="1">
+            <a:off x="3279620" y="5888301"/>
+            <a:ext cx="1" cy="91856"/>
           </a:xfrm>
           <a:prstGeom prst="line">
             <a:avLst/>
@@ -3050,10 +2885,9 @@
           <a:lstStyle/>
           <a:p>
             <a:r>
-              <a:rPr lang="es-CO" sz="900" dirty="0" smtClean="0"/>
+              <a:rPr lang="es-CO" sz="900" dirty="0"/>
               <a:t>son</a:t>
             </a:r>
-            <a:endParaRPr lang="es-CO" sz="900" dirty="0"/>
           </a:p>
         </p:txBody>
       </p:sp>
@@ -3132,10 +2966,9 @@
           <a:p>
             <a:pPr algn="ctr"/>
             <a:r>
-              <a:rPr lang="es-CO" sz="900" dirty="0" smtClean="0"/>
+              <a:rPr lang="es-CO" sz="900" dirty="0"/>
               <a:t>propiedades</a:t>
             </a:r>
-            <a:endParaRPr lang="es-CO" sz="900" dirty="0"/>
           </a:p>
         </p:txBody>
       </p:sp>
@@ -3240,10 +3073,9 @@
           <a:p>
             <a:pPr algn="ctr"/>
             <a:r>
-              <a:rPr lang="es-CO" sz="900" dirty="0" smtClean="0"/>
+              <a:rPr lang="es-CO" sz="900" dirty="0"/>
               <a:t>estado</a:t>
             </a:r>
-            <a:endParaRPr lang="es-CO" sz="900" dirty="0"/>
           </a:p>
         </p:txBody>
       </p:sp>
@@ -3386,10 +3218,9 @@
           <a:p>
             <a:pPr algn="ctr"/>
             <a:r>
-              <a:rPr lang="es-CO" sz="900" dirty="0" smtClean="0"/>
+              <a:rPr lang="es-CO" sz="900" dirty="0"/>
               <a:t>proceso</a:t>
             </a:r>
-            <a:endParaRPr lang="es-CO" sz="900" dirty="0"/>
           </a:p>
         </p:txBody>
       </p:sp>
@@ -3406,6 +3237,176 @@
           <a:xfrm flipH="1">
             <a:off x="4507572" y="6246277"/>
             <a:ext cx="749" cy="131535"/>
+          </a:xfrm>
+          <a:prstGeom prst="line">
+            <a:avLst/>
+          </a:prstGeom>
+          <a:ln w="12700">
+            <a:solidFill>
+              <a:schemeClr val="tx1"/>
+            </a:solidFill>
+          </a:ln>
+        </p:spPr>
+        <p:style>
+          <a:lnRef idx="1">
+            <a:schemeClr val="accent1"/>
+          </a:lnRef>
+          <a:fillRef idx="0">
+            <a:schemeClr val="accent1"/>
+          </a:fillRef>
+          <a:effectRef idx="0">
+            <a:schemeClr val="accent1"/>
+          </a:effectRef>
+          <a:fontRef idx="minor">
+            <a:schemeClr val="tx1"/>
+          </a:fontRef>
+        </p:style>
+      </p:cxnSp>
+      <p:sp>
+        <p:nvSpPr>
+          <p:cNvPr id="64" name="Rectángulo 63"/>
+          <p:cNvSpPr/>
+          <p:nvPr/>
+        </p:nvSpPr>
+        <p:spPr>
+          <a:xfrm>
+            <a:off x="3055841" y="5980157"/>
+            <a:ext cx="447558" cy="173427"/>
+          </a:xfrm>
+          <a:prstGeom prst="rect">
+            <a:avLst/>
+          </a:prstGeom>
+        </p:spPr>
+        <p:txBody>
+          <a:bodyPr wrap="none">
+            <a:spAutoFit/>
+          </a:bodyPr>
+          <a:lstStyle/>
+          <a:p>
+            <a:r>
+              <a:rPr lang="es-CO" sz="900" dirty="0"/>
+              <a:t>como</a:t>
+            </a:r>
+          </a:p>
+        </p:txBody>
+      </p:sp>
+      <p:cxnSp>
+        <p:nvCxnSpPr>
+          <p:cNvPr id="65" name="Conector recto 64"/>
+          <p:cNvCxnSpPr>
+            <a:stCxn id="64" idx="2"/>
+            <a:endCxn id="57" idx="0"/>
+          </p:cNvCxnSpPr>
+          <p:nvPr/>
+        </p:nvCxnSpPr>
+        <p:spPr>
+          <a:xfrm>
+            <a:off x="3279620" y="6153584"/>
+            <a:ext cx="2172" cy="230444"/>
+          </a:xfrm>
+          <a:prstGeom prst="line">
+            <a:avLst/>
+          </a:prstGeom>
+          <a:ln w="12700">
+            <a:solidFill>
+              <a:schemeClr val="tx1"/>
+            </a:solidFill>
+          </a:ln>
+        </p:spPr>
+        <p:style>
+          <a:lnRef idx="1">
+            <a:schemeClr val="accent1"/>
+          </a:lnRef>
+          <a:fillRef idx="0">
+            <a:schemeClr val="accent1"/>
+          </a:fillRef>
+          <a:effectRef idx="0">
+            <a:schemeClr val="accent1"/>
+          </a:effectRef>
+          <a:fontRef idx="minor">
+            <a:schemeClr val="tx1"/>
+          </a:fontRef>
+        </p:style>
+      </p:cxnSp>
+      <p:cxnSp>
+        <p:nvCxnSpPr>
+          <p:cNvPr id="68" name="Conector recto 67"/>
+          <p:cNvCxnSpPr>
+            <a:stCxn id="1790" idx="2"/>
+            <a:endCxn id="70" idx="0"/>
+          </p:cNvCxnSpPr>
+          <p:nvPr/>
+        </p:nvCxnSpPr>
+        <p:spPr>
+          <a:xfrm flipH="1">
+            <a:off x="2110902" y="5884142"/>
+            <a:ext cx="144" cy="139016"/>
+          </a:xfrm>
+          <a:prstGeom prst="line">
+            <a:avLst/>
+          </a:prstGeom>
+          <a:ln w="12700">
+            <a:solidFill>
+              <a:schemeClr val="tx1"/>
+            </a:solidFill>
+          </a:ln>
+        </p:spPr>
+        <p:style>
+          <a:lnRef idx="1">
+            <a:schemeClr val="accent1"/>
+          </a:lnRef>
+          <a:fillRef idx="0">
+            <a:schemeClr val="accent1"/>
+          </a:fillRef>
+          <a:effectRef idx="0">
+            <a:schemeClr val="accent1"/>
+          </a:effectRef>
+          <a:fontRef idx="minor">
+            <a:schemeClr val="tx1"/>
+          </a:fontRef>
+        </p:style>
+      </p:cxnSp>
+      <p:sp>
+        <p:nvSpPr>
+          <p:cNvPr id="70" name="Rectángulo 69"/>
+          <p:cNvSpPr/>
+          <p:nvPr/>
+        </p:nvSpPr>
+        <p:spPr>
+          <a:xfrm>
+            <a:off x="1887123" y="6023158"/>
+            <a:ext cx="447558" cy="173427"/>
+          </a:xfrm>
+          <a:prstGeom prst="rect">
+            <a:avLst/>
+          </a:prstGeom>
+        </p:spPr>
+        <p:txBody>
+          <a:bodyPr wrap="none">
+            <a:spAutoFit/>
+          </a:bodyPr>
+          <a:lstStyle/>
+          <a:p>
+            <a:r>
+              <a:rPr lang="es-CO" sz="900" dirty="0"/>
+              <a:t>como</a:t>
+            </a:r>
+          </a:p>
+        </p:txBody>
+      </p:sp>
+      <p:cxnSp>
+        <p:nvCxnSpPr>
+          <p:cNvPr id="71" name="Conector recto 70"/>
+          <p:cNvCxnSpPr>
+            <a:stCxn id="70" idx="2"/>
+            <a:endCxn id="58" idx="0"/>
+          </p:cNvCxnSpPr>
+          <p:nvPr/>
+        </p:nvCxnSpPr>
+        <p:spPr>
+          <a:xfrm>
+            <a:off x="2110902" y="6196585"/>
+            <a:ext cx="144" cy="151393"/>
           </a:xfrm>
           <a:prstGeom prst="line">
             <a:avLst/>
@@ -3453,13 +3454,6 @@
       </p:transition>
     </mc:Fallback>
   </mc:AlternateContent>
-  <p:timing>
-    <p:tnLst>
-      <p:par>
-        <p:cTn id="1" dur="indefinite" restart="never" nodeType="tmRoot"/>
-      </p:par>
-    </p:tnLst>
-  </p:timing>
 </p:sld>
 </file>
 
